--- a/document/Giới thiệu đồ án.pptx
+++ b/document/Giới thiệu đồ án.pptx
@@ -5,10 +5,10 @@
     <p:sldMasterId id="2147483720" r:id="rId2"/>
   </p:sldMasterIdLst>
   <p:notesMasterIdLst>
-    <p:notesMasterId r:id="rId8"/>
+    <p:notesMasterId r:id="rId9"/>
   </p:notesMasterIdLst>
   <p:handoutMasterIdLst>
-    <p:handoutMasterId r:id="rId9"/>
+    <p:handoutMasterId r:id="rId10"/>
   </p:handoutMasterIdLst>
   <p:sldIdLst>
     <p:sldId id="269" r:id="rId3"/>
@@ -16,6 +16,7 @@
     <p:sldId id="281" r:id="rId5"/>
     <p:sldId id="282" r:id="rId6"/>
     <p:sldId id="283" r:id="rId7"/>
+    <p:sldId id="285" r:id="rId8"/>
   </p:sldIdLst>
   <p:sldSz cx="9144000" cy="6858000" type="screen4x3"/>
   <p:notesSz cx="6858000" cy="9144000"/>
@@ -3192,7 +3193,7 @@
           <a:p>
             <a:fld id="{0DCA0844-C266-46EC-A036-E1634F64C44A}" type="datetimeFigureOut">
               <a:rPr lang="en-US"/>
-              <a:t>3/8/2017</a:t>
+              <a:t>3/9/2017</a:t>
             </a:fld>
             <a:endParaRPr/>
           </a:p>
@@ -3357,7 +3358,7 @@
           <a:p>
             <a:fld id="{28C08BCD-7B2F-4BCE-87AF-5D67EFFE4D17}" type="datetimeFigureOut">
               <a:rPr lang="en-US"/>
-              <a:t>3/8/2017</a:t>
+              <a:t>3/9/2017</a:t>
             </a:fld>
             <a:endParaRPr/>
           </a:p>
@@ -4024,7 +4025,7 @@
             <a:fld id="{8E36636D-D922-432D-A958-524484B5923D}" type="datetimeFigureOut">
               <a:rPr lang="en-US"/>
               <a:pPr/>
-              <a:t>3/8/2017</a:t>
+              <a:t>3/9/2017</a:t>
             </a:fld>
             <a:endParaRPr/>
           </a:p>
@@ -4407,7 +4408,7 @@
             <a:fld id="{749F4917-CE56-4645-8050-1555FA0B180B}" type="datetimeFigureOut">
               <a:rPr lang="en-US"/>
               <a:pPr/>
-              <a:t>3/8/2017</a:t>
+              <a:t>3/9/2017</a:t>
             </a:fld>
             <a:endParaRPr/>
           </a:p>
@@ -4737,7 +4738,7 @@
             <a:fld id="{8E36636D-D922-432D-A958-524484B5923D}" type="datetimeFigureOut">
               <a:rPr lang="en-US"/>
               <a:pPr/>
-              <a:t>3/8/2017</a:t>
+              <a:t>3/9/2017</a:t>
             </a:fld>
             <a:endParaRPr/>
           </a:p>
@@ -4905,7 +4906,7 @@
             <a:fld id="{8E36636D-D922-432D-A958-524484B5923D}" type="datetimeFigureOut">
               <a:rPr lang="en-US"/>
               <a:pPr/>
-              <a:t>3/8/2017</a:t>
+              <a:t>3/9/2017</a:t>
             </a:fld>
             <a:endParaRPr/>
           </a:p>
@@ -5135,7 +5136,7 @@
             <a:fld id="{8E36636D-D922-432D-A958-524484B5923D}" type="datetimeFigureOut">
               <a:rPr lang="en-US"/>
               <a:pPr/>
-              <a:t>3/8/2017</a:t>
+              <a:t>3/9/2017</a:t>
             </a:fld>
             <a:endParaRPr/>
           </a:p>
@@ -5564,7 +5565,7 @@
             <a:fld id="{8E36636D-D922-432D-A958-524484B5923D}" type="datetimeFigureOut">
               <a:rPr lang="en-US"/>
               <a:pPr/>
-              <a:t>3/8/2017</a:t>
+              <a:t>3/9/2017</a:t>
             </a:fld>
             <a:endParaRPr/>
           </a:p>
@@ -6074,7 +6075,7 @@
             <a:fld id="{8E36636D-D922-432D-A958-524484B5923D}" type="datetimeFigureOut">
               <a:rPr lang="en-US"/>
               <a:pPr/>
-              <a:t>3/8/2017</a:t>
+              <a:t>3/9/2017</a:t>
             </a:fld>
             <a:endParaRPr/>
           </a:p>
@@ -6382,7 +6383,7 @@
             <a:fld id="{8E36636D-D922-432D-A958-524484B5923D}" type="datetimeFigureOut">
               <a:rPr lang="en-US"/>
               <a:pPr/>
-              <a:t>3/8/2017</a:t>
+              <a:t>3/9/2017</a:t>
             </a:fld>
             <a:endParaRPr/>
           </a:p>
@@ -6830,7 +6831,7 @@
             <a:fld id="{8E36636D-D922-432D-A958-524484B5923D}" type="datetimeFigureOut">
               <a:rPr lang="en-US"/>
               <a:pPr/>
-              <a:t>3/8/2017</a:t>
+              <a:t>3/9/2017</a:t>
             </a:fld>
             <a:endParaRPr/>
           </a:p>
@@ -6964,7 +6965,7 @@
             <a:fld id="{8E36636D-D922-432D-A958-524484B5923D}" type="datetimeFigureOut">
               <a:rPr lang="en-US"/>
               <a:pPr/>
-              <a:t>3/8/2017</a:t>
+              <a:t>3/9/2017</a:t>
             </a:fld>
             <a:endParaRPr/>
           </a:p>
@@ -7075,7 +7076,7 @@
             <a:fld id="{8E36636D-D922-432D-A958-524484B5923D}" type="datetimeFigureOut">
               <a:rPr lang="en-US"/>
               <a:pPr/>
-              <a:t>3/8/2017</a:t>
+              <a:t>3/9/2017</a:t>
             </a:fld>
             <a:endParaRPr/>
           </a:p>
@@ -7501,7 +7502,7 @@
             <a:fld id="{8E36636D-D922-432D-A958-524484B5923D}" type="datetimeFigureOut">
               <a:rPr lang="en-US"/>
               <a:pPr/>
-              <a:t>3/8/2017</a:t>
+              <a:t>3/9/2017</a:t>
             </a:fld>
             <a:endParaRPr/>
           </a:p>
@@ -8010,7 +8011,7 @@
             <a:fld id="{8E36636D-D922-432D-A958-524484B5923D}" type="datetimeFigureOut">
               <a:rPr lang="en-US"/>
               <a:pPr/>
-              <a:t>3/8/2017</a:t>
+              <a:t>3/9/2017</a:t>
             </a:fld>
             <a:endParaRPr/>
           </a:p>
@@ -8904,7 +8905,6 @@
               <a:rPr lang="en-US" sz="2800" dirty="0" smtClean="0"/>
               <a:t> nay.</a:t>
             </a:r>
-            <a:endParaRPr lang="en-US" sz="2800" dirty="0" smtClean="0"/>
           </a:p>
           <a:p>
             <a:r>
@@ -8987,7 +8987,6 @@
               <a:rPr lang="en-US" sz="2800" dirty="0" smtClean="0"/>
               <a:t>?</a:t>
             </a:r>
-            <a:endParaRPr lang="en-US" sz="2800" dirty="0" smtClean="0"/>
           </a:p>
         </p:txBody>
       </p:sp>
@@ -9527,6 +9526,78 @@
       </p:par>
     </p:tnLst>
   </p:timing>
+</p:sld>
+</file>
+
+<file path=ppt/slides/slide6.xml><?xml version="1.0" encoding="utf-8"?>
+<p:sld xmlns:a="http://schemas.openxmlformats.org/drawingml/2006/main" xmlns:r="http://schemas.openxmlformats.org/officeDocument/2006/relationships" xmlns:p="http://schemas.openxmlformats.org/presentationml/2006/main">
+  <p:cSld>
+    <p:spTree>
+      <p:nvGrpSpPr>
+        <p:cNvPr id="1" name=""/>
+        <p:cNvGrpSpPr/>
+        <p:nvPr/>
+      </p:nvGrpSpPr>
+      <p:grpSpPr>
+        <a:xfrm>
+          <a:off x="0" y="0"/>
+          <a:ext cx="0" cy="0"/>
+          <a:chOff x="0" y="0"/>
+          <a:chExt cx="0" cy="0"/>
+        </a:xfrm>
+      </p:grpSpPr>
+      <p:pic>
+        <p:nvPicPr>
+          <p:cNvPr id="4" name="Picture 3"/>
+          <p:cNvPicPr>
+            <a:picLocks noChangeAspect="1"/>
+          </p:cNvPicPr>
+          <p:nvPr/>
+        </p:nvPicPr>
+        <p:blipFill>
+          <a:blip r:embed="rId2">
+            <a:extLst>
+              <a:ext uri="{28A0092B-C50C-407E-A947-70E740481C1C}">
+                <a14:useLocalDpi xmlns:a14="http://schemas.microsoft.com/office/drawing/2010/main" val="0"/>
+              </a:ext>
+            </a:extLst>
+          </a:blip>
+          <a:stretch>
+            <a:fillRect/>
+          </a:stretch>
+        </p:blipFill>
+        <p:spPr>
+          <a:xfrm>
+            <a:off x="457200" y="1447799"/>
+            <a:ext cx="8077200" cy="4412205"/>
+          </a:xfrm>
+          <a:prstGeom prst="rect">
+            <a:avLst/>
+          </a:prstGeom>
+        </p:spPr>
+      </p:pic>
+    </p:spTree>
+    <p:extLst>
+      <p:ext uri="{BB962C8B-B14F-4D97-AF65-F5344CB8AC3E}">
+        <p14:creationId xmlns:p14="http://schemas.microsoft.com/office/powerpoint/2010/main" val="3824502056"/>
+      </p:ext>
+    </p:extLst>
+  </p:cSld>
+  <p:clrMapOvr>
+    <a:masterClrMapping/>
+  </p:clrMapOvr>
+  <mc:AlternateContent xmlns:mc="http://schemas.openxmlformats.org/markup-compatibility/2006" xmlns:p14="http://schemas.microsoft.com/office/powerpoint/2010/main">
+    <mc:Choice Requires="p14">
+      <p:transition spd="med" p14:dur="700">
+        <p:fade/>
+      </p:transition>
+    </mc:Choice>
+    <mc:Fallback xmlns="">
+      <p:transition spd="med">
+        <p:fade/>
+      </p:transition>
+    </mc:Fallback>
+  </mc:AlternateContent>
 </p:sld>
 </file>
 
